--- a/src/lectures/android-bluetooth-classic/android-bluetooth-classic.pptx
+++ b/src/lectures/android-bluetooth-classic/android-bluetooth-classic.pptx
@@ -214,7 +214,7 @@
           <a:p>
             <a:fld id="{6D65E8AE-67CB-425F-A941-9EF2C260E158}" type="datetimeFigureOut">
               <a:rPr lang="sv-SE" smtClean="0"/>
-              <a:t>2020-02-16</a:t>
+              <a:t>2020-02-17</a:t>
             </a:fld>
             <a:endParaRPr lang="sv-SE"/>
           </a:p>
@@ -379,7 +379,7 @@
           <a:p>
             <a:fld id="{38366049-D807-473D-9795-762417EEF104}" type="datetimeFigureOut">
               <a:rPr lang="en-US" smtClean="0"/>
-              <a:t>2/16/2020</a:t>
+              <a:t>2/17/2020</a:t>
             </a:fld>
             <a:endParaRPr lang="en-US"/>
           </a:p>
@@ -772,7 +772,7 @@
           <a:p>
             <a:fld id="{428859CC-B640-4DB3-BB6F-301CDED75AAD}" type="datetimeFigureOut">
               <a:rPr lang="sv-SE" smtClean="0"/>
-              <a:t>2020-02-16</a:t>
+              <a:t>2020-02-17</a:t>
             </a:fld>
             <a:endParaRPr lang="sv-SE"/>
           </a:p>
@@ -1122,7 +1122,7 @@
           <a:p>
             <a:fld id="{428859CC-B640-4DB3-BB6F-301CDED75AAD}" type="datetimeFigureOut">
               <a:rPr lang="sv-SE" smtClean="0"/>
-              <a:t>2020-02-16</a:t>
+              <a:t>2020-02-17</a:t>
             </a:fld>
             <a:endParaRPr lang="sv-SE"/>
           </a:p>
@@ -1372,7 +1372,7 @@
           <a:p>
             <a:fld id="{428859CC-B640-4DB3-BB6F-301CDED75AAD}" type="datetimeFigureOut">
               <a:rPr lang="sv-SE" smtClean="0"/>
-              <a:t>2020-02-16</a:t>
+              <a:t>2020-02-17</a:t>
             </a:fld>
             <a:endParaRPr lang="sv-SE"/>
           </a:p>
@@ -1731,7 +1731,7 @@
           <a:p>
             <a:fld id="{428859CC-B640-4DB3-BB6F-301CDED75AAD}" type="datetimeFigureOut">
               <a:rPr lang="sv-SE" smtClean="0"/>
-              <a:t>2020-02-16</a:t>
+              <a:t>2020-02-17</a:t>
             </a:fld>
             <a:endParaRPr lang="sv-SE"/>
           </a:p>
@@ -2082,7 +2082,7 @@
           <a:p>
             <a:fld id="{428859CC-B640-4DB3-BB6F-301CDED75AAD}" type="datetimeFigureOut">
               <a:rPr lang="sv-SE" smtClean="0"/>
-              <a:t>2020-02-16</a:t>
+              <a:t>2020-02-17</a:t>
             </a:fld>
             <a:endParaRPr lang="sv-SE"/>
           </a:p>
@@ -2514,7 +2514,7 @@
           <a:p>
             <a:fld id="{428859CC-B640-4DB3-BB6F-301CDED75AAD}" type="datetimeFigureOut">
               <a:rPr lang="sv-SE" smtClean="0"/>
-              <a:t>2020-02-16</a:t>
+              <a:t>2020-02-17</a:t>
             </a:fld>
             <a:endParaRPr lang="sv-SE"/>
           </a:p>
@@ -2938,7 +2938,7 @@
           <a:p>
             <a:fld id="{428859CC-B640-4DB3-BB6F-301CDED75AAD}" type="datetimeFigureOut">
               <a:rPr lang="sv-SE" smtClean="0"/>
-              <a:t>2020-02-16</a:t>
+              <a:t>2020-02-17</a:t>
             </a:fld>
             <a:endParaRPr lang="sv-SE"/>
           </a:p>
@@ -3370,7 +3370,7 @@
           <a:p>
             <a:fld id="{428859CC-B640-4DB3-BB6F-301CDED75AAD}" type="datetimeFigureOut">
               <a:rPr lang="sv-SE" smtClean="0"/>
-              <a:t>2020-02-16</a:t>
+              <a:t>2020-02-17</a:t>
             </a:fld>
             <a:endParaRPr lang="sv-SE"/>
           </a:p>
@@ -3696,7 +3696,7 @@
           <a:p>
             <a:fld id="{428859CC-B640-4DB3-BB6F-301CDED75AAD}" type="datetimeFigureOut">
               <a:rPr lang="sv-SE" smtClean="0"/>
-              <a:t>2020-02-16</a:t>
+              <a:t>2020-02-17</a:t>
             </a:fld>
             <a:endParaRPr lang="sv-SE"/>
           </a:p>
@@ -3896,7 +3896,7 @@
           <a:p>
             <a:fld id="{428859CC-B640-4DB3-BB6F-301CDED75AAD}" type="datetimeFigureOut">
               <a:rPr lang="sv-SE" smtClean="0"/>
-              <a:t>2020-02-16</a:t>
+              <a:t>2020-02-17</a:t>
             </a:fld>
             <a:endParaRPr lang="sv-SE"/>
           </a:p>
@@ -4057,7 +4057,7 @@
           <a:p>
             <a:fld id="{428859CC-B640-4DB3-BB6F-301CDED75AAD}" type="datetimeFigureOut">
               <a:rPr lang="sv-SE" smtClean="0"/>
-              <a:t>2020-02-16</a:t>
+              <a:t>2020-02-17</a:t>
             </a:fld>
             <a:endParaRPr lang="sv-SE"/>
           </a:p>
@@ -4325,7 +4325,7 @@
           <a:p>
             <a:fld id="{428859CC-B640-4DB3-BB6F-301CDED75AAD}" type="datetimeFigureOut">
               <a:rPr lang="sv-SE" smtClean="0"/>
-              <a:t>2020-02-16</a:t>
+              <a:t>2020-02-17</a:t>
             </a:fld>
             <a:endParaRPr lang="sv-SE"/>
           </a:p>
@@ -4530,7 +4530,7 @@
           <a:p>
             <a:fld id="{428859CC-B640-4DB3-BB6F-301CDED75AAD}" type="datetimeFigureOut">
               <a:rPr lang="sv-SE" smtClean="0"/>
-              <a:t>2020-02-16</a:t>
+              <a:t>2020-02-17</a:t>
             </a:fld>
             <a:endParaRPr lang="sv-SE"/>
           </a:p>
@@ -4752,7 +4752,7 @@
           <a:p>
             <a:fld id="{428859CC-B640-4DB3-BB6F-301CDED75AAD}" type="datetimeFigureOut">
               <a:rPr lang="sv-SE" smtClean="0"/>
-              <a:t>2020-02-16</a:t>
+              <a:t>2020-02-17</a:t>
             </a:fld>
             <a:endParaRPr lang="sv-SE"/>
           </a:p>
@@ -4986,7 +4986,7 @@
           <a:p>
             <a:fld id="{428859CC-B640-4DB3-BB6F-301CDED75AAD}" type="datetimeFigureOut">
               <a:rPr lang="sv-SE" smtClean="0"/>
-              <a:t>2020-02-16</a:t>
+              <a:t>2020-02-17</a:t>
             </a:fld>
             <a:endParaRPr lang="sv-SE"/>
           </a:p>
@@ -5208,7 +5208,7 @@
           <a:p>
             <a:fld id="{428859CC-B640-4DB3-BB6F-301CDED75AAD}" type="datetimeFigureOut">
               <a:rPr lang="sv-SE" smtClean="0"/>
-              <a:t>2020-02-16</a:t>
+              <a:t>2020-02-17</a:t>
             </a:fld>
             <a:endParaRPr lang="sv-SE"/>
           </a:p>
@@ -5442,7 +5442,7 @@
           <a:p>
             <a:fld id="{428859CC-B640-4DB3-BB6F-301CDED75AAD}" type="datetimeFigureOut">
               <a:rPr lang="sv-SE" smtClean="0"/>
-              <a:t>2020-02-16</a:t>
+              <a:t>2020-02-17</a:t>
             </a:fld>
             <a:endParaRPr lang="sv-SE"/>
           </a:p>
@@ -5856,7 +5856,7 @@
           <a:p>
             <a:fld id="{428859CC-B640-4DB3-BB6F-301CDED75AAD}" type="datetimeFigureOut">
               <a:rPr lang="sv-SE" smtClean="0"/>
-              <a:t>2020-02-16</a:t>
+              <a:t>2020-02-17</a:t>
             </a:fld>
             <a:endParaRPr lang="sv-SE"/>
           </a:p>
@@ -6268,7 +6268,7 @@
           <a:p>
             <a:fld id="{428859CC-B640-4DB3-BB6F-301CDED75AAD}" type="datetimeFigureOut">
               <a:rPr lang="sv-SE" smtClean="0"/>
-              <a:t>2020-02-16</a:t>
+              <a:t>2020-02-17</a:t>
             </a:fld>
             <a:endParaRPr lang="sv-SE"/>
           </a:p>
@@ -6585,7 +6585,7 @@
           <a:p>
             <a:fld id="{428859CC-B640-4DB3-BB6F-301CDED75AAD}" type="datetimeFigureOut">
               <a:rPr lang="sv-SE" smtClean="0"/>
-              <a:t>2020-02-16</a:t>
+              <a:t>2020-02-17</a:t>
             </a:fld>
             <a:endParaRPr lang="sv-SE"/>
           </a:p>
@@ -6900,7 +6900,7 @@
           <a:p>
             <a:fld id="{428859CC-B640-4DB3-BB6F-301CDED75AAD}" type="datetimeFigureOut">
               <a:rPr lang="sv-SE" smtClean="0"/>
-              <a:t>2020-02-16</a:t>
+              <a:t>2020-02-17</a:t>
             </a:fld>
             <a:endParaRPr lang="sv-SE"/>
           </a:p>
@@ -7188,7 +7188,7 @@
           <a:p>
             <a:fld id="{428859CC-B640-4DB3-BB6F-301CDED75AAD}" type="datetimeFigureOut">
               <a:rPr lang="sv-SE" smtClean="0"/>
-              <a:t>2020-02-16</a:t>
+              <a:t>2020-02-17</a:t>
             </a:fld>
             <a:endParaRPr lang="sv-SE"/>
           </a:p>
@@ -7490,7 +7490,7 @@
           <a:p>
             <a:fld id="{428859CC-B640-4DB3-BB6F-301CDED75AAD}" type="datetimeFigureOut">
               <a:rPr lang="sv-SE" smtClean="0"/>
-              <a:t>2020-02-16</a:t>
+              <a:t>2020-02-17</a:t>
             </a:fld>
             <a:endParaRPr lang="sv-SE"/>
           </a:p>
@@ -7772,7 +7772,7 @@
           <a:p>
             <a:fld id="{428859CC-B640-4DB3-BB6F-301CDED75AAD}" type="datetimeFigureOut">
               <a:rPr lang="sv-SE" smtClean="0"/>
-              <a:t>2020-02-16</a:t>
+              <a:t>2020-02-17</a:t>
             </a:fld>
             <a:endParaRPr lang="sv-SE"/>
           </a:p>
@@ -12370,7 +12370,37 @@
                 <a:latin typeface="Courier New" panose="02070309020205020404" pitchFamily="49" charset="0"/>
                 <a:cs typeface="Courier New" panose="02070309020205020404" pitchFamily="49" charset="0"/>
               </a:rPr>
-              <a:t> String(bytes, StandardCharsets.UTF_8)</a:t>
+              <a:t> String(bytes, 0, </a:t>
+            </a:r>
+            <a:r>
+              <a:rPr lang="en-US" sz="1600" dirty="0" err="1">
+                <a:solidFill>
+                  <a:schemeClr val="tx1"/>
+                </a:solidFill>
+                <a:latin typeface="Courier New" panose="02070309020205020404" pitchFamily="49" charset="0"/>
+                <a:cs typeface="Courier New" panose="02070309020205020404" pitchFamily="49" charset="0"/>
+              </a:rPr>
+              <a:t>numberOfBytesRead</a:t>
+            </a:r>
+            <a:r>
+              <a:rPr lang="en-US" sz="1600">
+                <a:solidFill>
+                  <a:schemeClr val="tx1"/>
+                </a:solidFill>
+                <a:latin typeface="Courier New" panose="02070309020205020404" pitchFamily="49" charset="0"/>
+                <a:cs typeface="Courier New" panose="02070309020205020404" pitchFamily="49" charset="0"/>
+              </a:rPr>
+              <a:t>, </a:t>
+            </a:r>
+            <a:r>
+              <a:rPr lang="en-US" sz="1600" dirty="0">
+                <a:solidFill>
+                  <a:schemeClr val="tx1"/>
+                </a:solidFill>
+                <a:latin typeface="Courier New" panose="02070309020205020404" pitchFamily="49" charset="0"/>
+                <a:cs typeface="Courier New" panose="02070309020205020404" pitchFamily="49" charset="0"/>
+              </a:rPr>
+              <a:t>StandardCharsets.UTF_8)</a:t>
             </a:r>
           </a:p>
         </p:txBody>
@@ -14738,15 +14768,33 @@
                                   </p:childTnLst>
                                 </p:cTn>
                               </p:par>
+                            </p:childTnLst>
+                          </p:cTn>
+                        </p:par>
+                      </p:childTnLst>
+                    </p:cTn>
+                  </p:par>
+                  <p:par>
+                    <p:cTn id="27" fill="hold">
+                      <p:stCondLst>
+                        <p:cond delay="indefinite"/>
+                      </p:stCondLst>
+                      <p:childTnLst>
+                        <p:par>
+                          <p:cTn id="28" fill="hold">
+                            <p:stCondLst>
+                              <p:cond delay="0"/>
+                            </p:stCondLst>
+                            <p:childTnLst>
                               <p:par>
-                                <p:cTn id="27" presetID="1" presetClass="entr" presetSubtype="0" fill="hold" grpId="0" nodeType="withEffect">
+                                <p:cTn id="29" presetID="1" presetClass="entr" presetSubtype="0" fill="hold" grpId="0" nodeType="clickEffect">
                                   <p:stCondLst>
                                     <p:cond delay="0"/>
                                   </p:stCondLst>
                                   <p:childTnLst>
                                     <p:set>
                                       <p:cBhvr>
-                                        <p:cTn id="28" dur="1" fill="hold">
+                                        <p:cTn id="30" dur="1" fill="hold">
                                           <p:stCondLst>
                                             <p:cond delay="0"/>
                                           </p:stCondLst>
@@ -14769,15 +14817,33 @@
                                   </p:childTnLst>
                                 </p:cTn>
                               </p:par>
+                            </p:childTnLst>
+                          </p:cTn>
+                        </p:par>
+                      </p:childTnLst>
+                    </p:cTn>
+                  </p:par>
+                  <p:par>
+                    <p:cTn id="31" fill="hold">
+                      <p:stCondLst>
+                        <p:cond delay="indefinite"/>
+                      </p:stCondLst>
+                      <p:childTnLst>
+                        <p:par>
+                          <p:cTn id="32" fill="hold">
+                            <p:stCondLst>
+                              <p:cond delay="0"/>
+                            </p:stCondLst>
+                            <p:childTnLst>
                               <p:par>
-                                <p:cTn id="29" presetID="1" presetClass="entr" presetSubtype="0" fill="hold" grpId="0" nodeType="withEffect">
+                                <p:cTn id="33" presetID="1" presetClass="entr" presetSubtype="0" fill="hold" grpId="0" nodeType="clickEffect">
                                   <p:stCondLst>
                                     <p:cond delay="0"/>
                                   </p:stCondLst>
                                   <p:childTnLst>
                                     <p:set>
                                       <p:cBhvr>
-                                        <p:cTn id="30" dur="1" fill="hold">
+                                        <p:cTn id="34" dur="1" fill="hold">
                                           <p:stCondLst>
                                             <p:cond delay="0"/>
                                           </p:stCondLst>
@@ -20593,7 +20659,7 @@
                 <a:latin typeface="Courier New" panose="02070309020205020404" pitchFamily="49" charset="0"/>
                 <a:cs typeface="Courier New" panose="02070309020205020404" pitchFamily="49" charset="0"/>
               </a:rPr>
-              <a:t> == </a:t>
+              <a:t> != </a:t>
             </a:r>
             <a:r>
               <a:rPr lang="en-US" sz="1200" dirty="0" err="1">
@@ -20603,7 +20669,7 @@
                 <a:latin typeface="Courier New" panose="02070309020205020404" pitchFamily="49" charset="0"/>
                 <a:cs typeface="Courier New" panose="02070309020205020404" pitchFamily="49" charset="0"/>
               </a:rPr>
-              <a:t>Activity.RESULT_OK</a:t>
+              <a:t>Activity.RESULT_CANCELED</a:t>
             </a:r>
             <a:r>
               <a:rPr lang="en-US" sz="1200" dirty="0">
